--- a/SpaceLVG ppt.pptx
+++ b/SpaceLVG ppt.pptx
@@ -267,7 +267,7 @@
           <a:p>
             <a:fld id="{566141CD-CF3C-45E8-91B3-2B8D4E27F426}" type="datetimeFigureOut">
               <a:rPr lang="hu-HU" smtClean="0"/>
-              <a:t>2025. 05. 13.</a:t>
+              <a:t>2025. 05. 14.</a:t>
             </a:fld>
             <a:endParaRPr lang="hu-HU"/>
           </a:p>
@@ -435,7 +435,7 @@
           <a:p>
             <a:fld id="{566141CD-CF3C-45E8-91B3-2B8D4E27F426}" type="datetimeFigureOut">
               <a:rPr lang="hu-HU" smtClean="0"/>
-              <a:t>2025. 05. 13.</a:t>
+              <a:t>2025. 05. 14.</a:t>
             </a:fld>
             <a:endParaRPr lang="hu-HU"/>
           </a:p>
@@ -613,7 +613,7 @@
           <a:p>
             <a:fld id="{566141CD-CF3C-45E8-91B3-2B8D4E27F426}" type="datetimeFigureOut">
               <a:rPr lang="hu-HU" smtClean="0"/>
-              <a:t>2025. 05. 13.</a:t>
+              <a:t>2025. 05. 14.</a:t>
             </a:fld>
             <a:endParaRPr lang="hu-HU"/>
           </a:p>
@@ -781,7 +781,7 @@
           <a:p>
             <a:fld id="{566141CD-CF3C-45E8-91B3-2B8D4E27F426}" type="datetimeFigureOut">
               <a:rPr lang="hu-HU" smtClean="0"/>
-              <a:t>2025. 05. 13.</a:t>
+              <a:t>2025. 05. 14.</a:t>
             </a:fld>
             <a:endParaRPr lang="hu-HU"/>
           </a:p>
@@ -1026,7 +1026,7 @@
           <a:p>
             <a:fld id="{566141CD-CF3C-45E8-91B3-2B8D4E27F426}" type="datetimeFigureOut">
               <a:rPr lang="hu-HU" smtClean="0"/>
-              <a:t>2025. 05. 13.</a:t>
+              <a:t>2025. 05. 14.</a:t>
             </a:fld>
             <a:endParaRPr lang="hu-HU"/>
           </a:p>
@@ -1255,7 +1255,7 @@
           <a:p>
             <a:fld id="{566141CD-CF3C-45E8-91B3-2B8D4E27F426}" type="datetimeFigureOut">
               <a:rPr lang="hu-HU" smtClean="0"/>
-              <a:t>2025. 05. 13.</a:t>
+              <a:t>2025. 05. 14.</a:t>
             </a:fld>
             <a:endParaRPr lang="hu-HU"/>
           </a:p>
@@ -1619,7 +1619,7 @@
           <a:p>
             <a:fld id="{566141CD-CF3C-45E8-91B3-2B8D4E27F426}" type="datetimeFigureOut">
               <a:rPr lang="hu-HU" smtClean="0"/>
-              <a:t>2025. 05. 13.</a:t>
+              <a:t>2025. 05. 14.</a:t>
             </a:fld>
             <a:endParaRPr lang="hu-HU"/>
           </a:p>
@@ -1736,7 +1736,7 @@
           <a:p>
             <a:fld id="{566141CD-CF3C-45E8-91B3-2B8D4E27F426}" type="datetimeFigureOut">
               <a:rPr lang="hu-HU" smtClean="0"/>
-              <a:t>2025. 05. 13.</a:t>
+              <a:t>2025. 05. 14.</a:t>
             </a:fld>
             <a:endParaRPr lang="hu-HU"/>
           </a:p>
@@ -1831,7 +1831,7 @@
           <a:p>
             <a:fld id="{566141CD-CF3C-45E8-91B3-2B8D4E27F426}" type="datetimeFigureOut">
               <a:rPr lang="hu-HU" smtClean="0"/>
-              <a:t>2025. 05. 13.</a:t>
+              <a:t>2025. 05. 14.</a:t>
             </a:fld>
             <a:endParaRPr lang="hu-HU"/>
           </a:p>
@@ -2106,7 +2106,7 @@
           <a:p>
             <a:fld id="{566141CD-CF3C-45E8-91B3-2B8D4E27F426}" type="datetimeFigureOut">
               <a:rPr lang="hu-HU" smtClean="0"/>
-              <a:t>2025. 05. 13.</a:t>
+              <a:t>2025. 05. 14.</a:t>
             </a:fld>
             <a:endParaRPr lang="hu-HU"/>
           </a:p>
@@ -2358,7 +2358,7 @@
           <a:p>
             <a:fld id="{566141CD-CF3C-45E8-91B3-2B8D4E27F426}" type="datetimeFigureOut">
               <a:rPr lang="hu-HU" smtClean="0"/>
-              <a:t>2025. 05. 13.</a:t>
+              <a:t>2025. 05. 14.</a:t>
             </a:fld>
             <a:endParaRPr lang="hu-HU"/>
           </a:p>
@@ -2578,7 +2578,7 @@
           <a:p>
             <a:fld id="{566141CD-CF3C-45E8-91B3-2B8D4E27F426}" type="datetimeFigureOut">
               <a:rPr lang="hu-HU" smtClean="0"/>
-              <a:t>2025. 05. 13.</a:t>
+              <a:t>2025. 05. 14.</a:t>
             </a:fld>
             <a:endParaRPr lang="hu-HU"/>
           </a:p>
@@ -14333,6 +14333,26 @@
           </a:p>
           <a:p>
             <a:r>
+              <a:rPr lang="hu-HU" dirty="0" smtClean="0">
+                <a:solidFill>
+                  <a:schemeClr val="bg1"/>
+                </a:solidFill>
+                <a:latin typeface="Times New Roman" panose="02020603050405020304" pitchFamily="18" charset="0"/>
+                <a:cs typeface="Times New Roman" panose="02020603050405020304" pitchFamily="18" charset="0"/>
+              </a:rPr>
+              <a:t>Központok</a:t>
+            </a:r>
+            <a:endParaRPr lang="hu-HU" dirty="0">
+              <a:solidFill>
+                <a:schemeClr val="bg1"/>
+              </a:solidFill>
+              <a:latin typeface="Times New Roman" panose="02020603050405020304" pitchFamily="18" charset="0"/>
+              <a:cs typeface="Times New Roman" panose="02020603050405020304" pitchFamily="18" charset="0"/>
+            </a:endParaRPr>
+          </a:p>
+          <a:p>
+            <a:pPr lvl="1"/>
+            <a:r>
               <a:rPr lang="hu-HU" dirty="0">
                 <a:solidFill>
                   <a:schemeClr val="bg1"/>
@@ -14340,7 +14360,7 @@
                 <a:latin typeface="Times New Roman" panose="02020603050405020304" pitchFamily="18" charset="0"/>
                 <a:cs typeface="Times New Roman" panose="02020603050405020304" pitchFamily="18" charset="0"/>
               </a:rPr>
-              <a:t>Központok</a:t>
+              <a:t>Irányító központ</a:t>
             </a:r>
           </a:p>
           <a:p>
@@ -14353,7 +14373,7 @@
                 <a:latin typeface="Times New Roman" panose="02020603050405020304" pitchFamily="18" charset="0"/>
                 <a:cs typeface="Times New Roman" panose="02020603050405020304" pitchFamily="18" charset="0"/>
               </a:rPr>
-              <a:t>Irányító központ</a:t>
+              <a:t>Tervezési központ</a:t>
             </a:r>
           </a:p>
           <a:p>
@@ -14366,21 +14386,38 @@
                 <a:latin typeface="Times New Roman" panose="02020603050405020304" pitchFamily="18" charset="0"/>
                 <a:cs typeface="Times New Roman" panose="02020603050405020304" pitchFamily="18" charset="0"/>
               </a:rPr>
-              <a:t>Tervezési központ</a:t>
+              <a:t>Kutató </a:t>
+            </a:r>
+            <a:r>
+              <a:rPr lang="hu-HU" dirty="0" smtClean="0">
+                <a:solidFill>
+                  <a:schemeClr val="bg1"/>
+                </a:solidFill>
+                <a:latin typeface="Times New Roman" panose="02020603050405020304" pitchFamily="18" charset="0"/>
+                <a:cs typeface="Times New Roman" panose="02020603050405020304" pitchFamily="18" charset="0"/>
+              </a:rPr>
+              <a:t>központ</a:t>
             </a:r>
           </a:p>
           <a:p>
             <a:pPr lvl="1"/>
             <a:r>
-              <a:rPr lang="hu-HU" dirty="0">
-                <a:solidFill>
-                  <a:schemeClr val="bg1"/>
-                </a:solidFill>
-                <a:latin typeface="Times New Roman" panose="02020603050405020304" pitchFamily="18" charset="0"/>
-                <a:cs typeface="Times New Roman" panose="02020603050405020304" pitchFamily="18" charset="0"/>
-              </a:rPr>
-              <a:t>Kutató központ</a:t>
-            </a:r>
+              <a:rPr lang="hu-HU" smtClean="0">
+                <a:solidFill>
+                  <a:schemeClr val="bg1"/>
+                </a:solidFill>
+                <a:latin typeface="Times New Roman" panose="02020603050405020304" pitchFamily="18" charset="0"/>
+                <a:cs typeface="Times New Roman" panose="02020603050405020304" pitchFamily="18" charset="0"/>
+              </a:rPr>
+              <a:t>Manager központ</a:t>
+            </a:r>
+            <a:endParaRPr lang="hu-HU" dirty="0">
+              <a:solidFill>
+                <a:schemeClr val="bg1"/>
+              </a:solidFill>
+              <a:latin typeface="Times New Roman" panose="02020603050405020304" pitchFamily="18" charset="0"/>
+              <a:cs typeface="Times New Roman" panose="02020603050405020304" pitchFamily="18" charset="0"/>
+            </a:endParaRPr>
           </a:p>
           <a:p>
             <a:pPr marL="342900" lvl="1" indent="-342900"/>
